--- a/presentation/Main_presentation.pptx
+++ b/presentation/Main_presentation.pptx
@@ -9604,68 +9604,125 @@
           <a:chExt cx="0" cy="0"/>
         </a:xfrm>
       </p:grpSpPr>
+      <p:sp>
+        <p:nvSpPr>
+          <p:cNvPr id="17" name="Rectangle 16"/>
+          <p:cNvSpPr>
+            <a:spLocks noGrp="1"/>
+          </p:cNvSpPr>
+          <p:nvPr>
+            <p:ph type="body" sz="quarter" idx="10"/>
+          </p:nvPr>
+        </p:nvSpPr>
+        <p:spPr/>
+        <p:txBody>
+          <a:bodyPr/>
+          <a:lstStyle/>
+          <a:p>
+            <a:r>
+              <a:rPr lang="en-US" dirty="0" smtClean="0"/>
+              <a:t>A proprietary app to prevent violent extremism</a:t>
+            </a:r>
+            <a:endParaRPr lang="en-US" dirty="0"/>
+          </a:p>
+        </p:txBody>
+      </p:sp>
+      <p:sp>
+        <p:nvSpPr>
+          <p:cNvPr id="7" name="Title 6"/>
+          <p:cNvSpPr>
+            <a:spLocks noGrp="1"/>
+          </p:cNvSpPr>
+          <p:nvPr>
+            <p:ph type="title"/>
+          </p:nvPr>
+        </p:nvSpPr>
+        <p:spPr/>
+        <p:txBody>
+          <a:bodyPr/>
+          <a:lstStyle/>
+          <a:p>
+            <a:r>
+              <a:rPr lang="en-US" dirty="0" smtClean="0"/>
+              <a:t>Big brother</a:t>
+            </a:r>
+            <a:endParaRPr lang="en-US" dirty="0"/>
+          </a:p>
+        </p:txBody>
+      </p:sp>
       <p:pic>
         <p:nvPicPr>
-          <p:cNvPr id="6" name="j0313970.jpg"/>
+          <p:cNvPr id="2" name="Picture 1" descr="bb.jpg"/>
           <p:cNvPicPr>
-            <a:picLocks noGrp="1" noChangeAspect="1"/>
+            <a:picLocks noChangeAspect="1"/>
           </p:cNvPicPr>
-          <p:nvPr>
-            <p:ph type="pic" sz="quarter" idx="11"/>
-          </p:nvPr>
+          <p:nvPr/>
         </p:nvPicPr>
         <p:blipFill>
-          <a:blip r:embed="rId3" cstate="print"/>
-          <a:srcRect/>
+          <a:blip r:embed="rId3" cstate="print">
+            <a:extLst>
+              <a:ext uri="{28A0092B-C50C-407E-A947-70E740481C1C}">
+                <a14:useLocalDpi xmlns:a14="http://schemas.microsoft.com/office/drawing/2010/main" val="0"/>
+              </a:ext>
+            </a:extLst>
+          </a:blip>
           <a:stretch>
             <a:fillRect/>
           </a:stretch>
         </p:blipFill>
-        <p:spPr/>
+        <p:spPr>
+          <a:xfrm>
+            <a:off x="5867400" y="1143000"/>
+            <a:ext cx="1981200" cy="2905444"/>
+          </a:xfrm>
+          <a:prstGeom prst="rect">
+            <a:avLst/>
+          </a:prstGeom>
+        </p:spPr>
       </p:pic>
       <p:sp>
         <p:nvSpPr>
-          <p:cNvPr id="17" name="Rectangle 16"/>
-          <p:cNvSpPr>
-            <a:spLocks noGrp="1"/>
-          </p:cNvSpPr>
-          <p:nvPr>
-            <p:ph type="body" sz="quarter" idx="10"/>
-          </p:nvPr>
-        </p:nvSpPr>
-        <p:spPr/>
-        <p:txBody>
-          <a:bodyPr/>
+          <p:cNvPr id="4" name="Rectangle 3"/>
+          <p:cNvSpPr/>
+          <p:nvPr/>
+        </p:nvSpPr>
+        <p:spPr>
+          <a:xfrm>
+            <a:off x="228600" y="228600"/>
+            <a:ext cx="1905000" cy="457200"/>
+          </a:xfrm>
+          <a:prstGeom prst="rect">
+            <a:avLst/>
+          </a:prstGeom>
+        </p:spPr>
+        <p:style>
+          <a:lnRef idx="1">
+            <a:schemeClr val="accent1"/>
+          </a:lnRef>
+          <a:fillRef idx="3">
+            <a:schemeClr val="accent1"/>
+          </a:fillRef>
+          <a:effectRef idx="2">
+            <a:schemeClr val="accent1"/>
+          </a:effectRef>
+          <a:fontRef idx="minor">
+            <a:schemeClr val="lt1"/>
+          </a:fontRef>
+        </p:style>
+        <p:txBody>
+          <a:bodyPr rtlCol="0" anchor="ctr"/>
           <a:lstStyle/>
           <a:p>
-            <a:r>
-              <a:rPr lang="en-US" dirty="0" smtClean="0"/>
-              <a:t>A proprietary app to prevent violent extremism</a:t>
-            </a:r>
-            <a:endParaRPr lang="en-US" dirty="0"/>
-          </a:p>
-        </p:txBody>
-      </p:sp>
-      <p:sp>
-        <p:nvSpPr>
-          <p:cNvPr id="7" name="Title 6"/>
-          <p:cNvSpPr>
-            <a:spLocks noGrp="1"/>
-          </p:cNvSpPr>
-          <p:nvPr>
-            <p:ph type="title"/>
-          </p:nvPr>
-        </p:nvSpPr>
-        <p:spPr/>
-        <p:txBody>
-          <a:bodyPr/>
-          <a:lstStyle/>
-          <a:p>
-            <a:r>
-              <a:rPr lang="en-US" dirty="0" smtClean="0"/>
-              <a:t>Big brother</a:t>
-            </a:r>
-            <a:endParaRPr lang="en-US" dirty="0"/>
+            <a:pPr algn="ctr"/>
+            <a:r>
+              <a:rPr lang="en-US" sz="1400" dirty="0" err="1" smtClean="0"/>
+              <a:t>GovTech</a:t>
+            </a:r>
+            <a:r>
+              <a:rPr lang="en-US" sz="1400" dirty="0" smtClean="0"/>
+              <a:t> Challenge</a:t>
+            </a:r>
+            <a:endParaRPr lang="en-US" sz="1400" dirty="0"/>
           </a:p>
         </p:txBody>
       </p:sp>
@@ -10338,8 +10395,8 @@
         </p:blipFill>
         <p:spPr>
           <a:xfrm>
-            <a:off x="6858000" y="3578423"/>
-            <a:ext cx="1447800" cy="603250"/>
+            <a:off x="6629400" y="3429000"/>
+            <a:ext cx="2172175" cy="905073"/>
           </a:xfrm>
           <a:prstGeom prst="rect">
             <a:avLst/>
@@ -10666,6 +10723,56 @@
           <a:p>
             <a:pPr algn="ctr"/>
             <a:endParaRPr lang="en-US"/>
+          </a:p>
+        </p:txBody>
+      </p:sp>
+      <p:sp>
+        <p:nvSpPr>
+          <p:cNvPr id="9" name="Chevron 8"/>
+          <p:cNvSpPr/>
+          <p:nvPr/>
+        </p:nvSpPr>
+        <p:spPr>
+          <a:xfrm flipH="1">
+            <a:off x="2590800" y="5410200"/>
+            <a:ext cx="4648200" cy="838200"/>
+          </a:xfrm>
+          <a:prstGeom prst="chevron">
+            <a:avLst/>
+          </a:prstGeom>
+        </p:spPr>
+        <p:style>
+          <a:lnRef idx="1">
+            <a:schemeClr val="accent1"/>
+          </a:lnRef>
+          <a:fillRef idx="3">
+            <a:schemeClr val="accent1"/>
+          </a:fillRef>
+          <a:effectRef idx="2">
+            <a:schemeClr val="accent1"/>
+          </a:effectRef>
+          <a:fontRef idx="minor">
+            <a:schemeClr val="lt1"/>
+          </a:fontRef>
+        </p:style>
+        <p:txBody>
+          <a:bodyPr rtlCol="0" anchor="ctr"/>
+          <a:lstStyle/>
+          <a:p>
+            <a:pPr algn="ctr"/>
+            <a:r>
+              <a:rPr lang="en-US" sz="1400" dirty="0" smtClean="0">
+                <a:solidFill>
+                  <a:schemeClr val="tx1"/>
+                </a:solidFill>
+              </a:rPr>
+              <a:t>Push subliminal messages that interacts with System 2 thinking and help create aversion over time</a:t>
+            </a:r>
+            <a:endParaRPr lang="en-US" sz="1400" dirty="0">
+              <a:solidFill>
+                <a:schemeClr val="tx1"/>
+              </a:solidFill>
+            </a:endParaRPr>
           </a:p>
         </p:txBody>
       </p:sp>
